--- a/Учебная практика/УП 0.1 (часть 2)/Программа Графический редактор/Документация/Презентация Графический редактор.pptx
+++ b/Учебная практика/УП 0.1 (часть 2)/Программа Графический редактор/Документация/Презентация Графический редактор.pptx
@@ -108,6 +108,22 @@
       </a:defRPr>
     </a:lvl9pPr>
   </p:defaultTextStyle>
+  <p:extLst>
+    <p:ext uri="{EFAFB233-063F-42B5-8137-9DF3F51BA10A}">
+      <p15:sldGuideLst xmlns:p15="http://schemas.microsoft.com/office/powerpoint/2012/main">
+        <p15:guide id="1" orient="horz" pos="2160">
+          <p15:clr>
+            <a:srgbClr val="A4A3A4"/>
+          </p15:clr>
+        </p15:guide>
+        <p15:guide id="2" pos="2880">
+          <p15:clr>
+            <a:srgbClr val="A4A3A4"/>
+          </p15:clr>
+        </p15:guide>
+      </p15:sldGuideLst>
+    </p:ext>
+  </p:extLst>
 </p:presentation>
 </file>
 
@@ -330,7 +346,7 @@
           <a:p>
             <a:fld id="{F29B6E06-F8AD-4E32-98DF-A54BDA9BFF15}" type="datetimeFigureOut">
               <a:rPr lang="ru-RU" smtClean="0"/>
-              <a:t>06.04.2019</a:t>
+              <a:t>23.05.2020</a:t>
             </a:fld>
             <a:endParaRPr lang="ru-RU"/>
           </a:p>
@@ -517,7 +533,7 @@
           <a:p>
             <a:fld id="{F29B6E06-F8AD-4E32-98DF-A54BDA9BFF15}" type="datetimeFigureOut">
               <a:rPr lang="ru-RU" smtClean="0"/>
-              <a:t>06.04.2019</a:t>
+              <a:t>23.05.2020</a:t>
             </a:fld>
             <a:endParaRPr lang="ru-RU"/>
           </a:p>
@@ -692,7 +708,7 @@
           <a:p>
             <a:fld id="{F29B6E06-F8AD-4E32-98DF-A54BDA9BFF15}" type="datetimeFigureOut">
               <a:rPr lang="ru-RU" smtClean="0"/>
-              <a:t>06.04.2019</a:t>
+              <a:t>23.05.2020</a:t>
             </a:fld>
             <a:endParaRPr lang="ru-RU"/>
           </a:p>
@@ -872,7 +888,7 @@
           <a:p>
             <a:fld id="{F29B6E06-F8AD-4E32-98DF-A54BDA9BFF15}" type="datetimeFigureOut">
               <a:rPr lang="ru-RU" smtClean="0"/>
-              <a:t>06.04.2019</a:t>
+              <a:t>23.05.2020</a:t>
             </a:fld>
             <a:endParaRPr lang="ru-RU"/>
           </a:p>
@@ -1119,7 +1135,7 @@
           <a:p>
             <a:fld id="{F29B6E06-F8AD-4E32-98DF-A54BDA9BFF15}" type="datetimeFigureOut">
               <a:rPr lang="ru-RU" smtClean="0"/>
-              <a:t>06.04.2019</a:t>
+              <a:t>23.05.2020</a:t>
             </a:fld>
             <a:endParaRPr lang="ru-RU"/>
           </a:p>
@@ -1593,7 +1609,7 @@
           <a:p>
             <a:fld id="{F29B6E06-F8AD-4E32-98DF-A54BDA9BFF15}" type="datetimeFigureOut">
               <a:rPr lang="ru-RU" smtClean="0"/>
-              <a:t>06.04.2019</a:t>
+              <a:t>23.05.2020</a:t>
             </a:fld>
             <a:endParaRPr lang="ru-RU"/>
           </a:p>
@@ -2008,7 +2024,7 @@
           <a:p>
             <a:fld id="{F29B6E06-F8AD-4E32-98DF-A54BDA9BFF15}" type="datetimeFigureOut">
               <a:rPr lang="ru-RU" smtClean="0"/>
-              <a:t>06.04.2019</a:t>
+              <a:t>23.05.2020</a:t>
             </a:fld>
             <a:endParaRPr lang="ru-RU"/>
           </a:p>
@@ -2139,7 +2155,7 @@
           <a:p>
             <a:fld id="{F29B6E06-F8AD-4E32-98DF-A54BDA9BFF15}" type="datetimeFigureOut">
               <a:rPr lang="ru-RU" smtClean="0"/>
-              <a:t>06.04.2019</a:t>
+              <a:t>23.05.2020</a:t>
             </a:fld>
             <a:endParaRPr lang="ru-RU"/>
           </a:p>
@@ -2234,7 +2250,7 @@
           <a:p>
             <a:fld id="{F29B6E06-F8AD-4E32-98DF-A54BDA9BFF15}" type="datetimeFigureOut">
               <a:rPr lang="ru-RU" smtClean="0"/>
-              <a:t>06.04.2019</a:t>
+              <a:t>23.05.2020</a:t>
             </a:fld>
             <a:endParaRPr lang="ru-RU"/>
           </a:p>
@@ -2512,7 +2528,7 @@
           <a:p>
             <a:fld id="{F29B6E06-F8AD-4E32-98DF-A54BDA9BFF15}" type="datetimeFigureOut">
               <a:rPr lang="ru-RU" smtClean="0"/>
-              <a:t>06.04.2019</a:t>
+              <a:t>23.05.2020</a:t>
             </a:fld>
             <a:endParaRPr lang="ru-RU"/>
           </a:p>
@@ -2764,7 +2780,7 @@
           <a:p>
             <a:fld id="{F29B6E06-F8AD-4E32-98DF-A54BDA9BFF15}" type="datetimeFigureOut">
               <a:rPr lang="ru-RU" smtClean="0"/>
-              <a:t>06.04.2019</a:t>
+              <a:t>23.05.2020</a:t>
             </a:fld>
             <a:endParaRPr lang="ru-RU"/>
           </a:p>
@@ -3136,7 +3152,7 @@
           <a:p>
             <a:fld id="{F29B6E06-F8AD-4E32-98DF-A54BDA9BFF15}" type="datetimeFigureOut">
               <a:rPr lang="ru-RU" smtClean="0"/>
-              <a:t>06.04.2019</a:t>
+              <a:t>23.05.2020</a:t>
             </a:fld>
             <a:endParaRPr lang="ru-RU"/>
           </a:p>
@@ -3676,8 +3692,9 @@
             <a:pPr algn="ctr"/>
             <a:r>
               <a:rPr lang="ru-RU" dirty="0" smtClean="0"/>
-              <a:t>Корзухин А.И. и Дуругян А.В.</a:t>
-            </a:r>
+              <a:t>Головатюк М.В.</a:t>
+            </a:r>
+            <a:endParaRPr lang="ru-RU" dirty="0" smtClean="0"/>
           </a:p>
         </p:txBody>
       </p:sp>
@@ -3691,13 +3708,13 @@
   <p:clrMapOvr>
     <a:masterClrMapping/>
   </p:clrMapOvr>
-  <mc:AlternateContent xmlns:mc="http://schemas.openxmlformats.org/markup-compatibility/2006">
-    <mc:Choice xmlns:p14="http://schemas.microsoft.com/office/powerpoint/2010/main" Requires="p14">
+  <mc:AlternateContent xmlns:mc="http://schemas.openxmlformats.org/markup-compatibility/2006" xmlns:p14="http://schemas.microsoft.com/office/powerpoint/2010/main">
+    <mc:Choice Requires="p14">
       <p:transition spd="med" p14:dur="700">
         <p:fade/>
       </p:transition>
     </mc:Choice>
-    <mc:Fallback>
+    <mc:Fallback xmlns="">
       <p:transition spd="med">
         <p:fade/>
       </p:transition>
@@ -6055,13 +6072,13 @@
   <p:clrMapOvr>
     <a:masterClrMapping/>
   </p:clrMapOvr>
-  <mc:AlternateContent xmlns:mc="http://schemas.openxmlformats.org/markup-compatibility/2006">
-    <mc:Choice xmlns:p14="http://schemas.microsoft.com/office/powerpoint/2010/main" Requires="p14">
+  <mc:AlternateContent xmlns:mc="http://schemas.openxmlformats.org/markup-compatibility/2006" xmlns:p14="http://schemas.microsoft.com/office/powerpoint/2010/main">
+    <mc:Choice Requires="p14">
       <p:transition spd="med" p14:dur="700">
         <p:fade/>
       </p:transition>
     </mc:Choice>
-    <mc:Fallback>
+    <mc:Fallback xmlns="">
       <p:transition spd="med">
         <p:fade/>
       </p:transition>
@@ -6508,13 +6525,13 @@
   <p:clrMapOvr>
     <a:masterClrMapping/>
   </p:clrMapOvr>
-  <mc:AlternateContent xmlns:mc="http://schemas.openxmlformats.org/markup-compatibility/2006">
-    <mc:Choice xmlns:p14="http://schemas.microsoft.com/office/powerpoint/2010/main" Requires="p14">
+  <mc:AlternateContent xmlns:mc="http://schemas.openxmlformats.org/markup-compatibility/2006" xmlns:p14="http://schemas.microsoft.com/office/powerpoint/2010/main">
+    <mc:Choice Requires="p14">
       <p:transition spd="med" p14:dur="700">
         <p:fade/>
       </p:transition>
     </mc:Choice>
-    <mc:Fallback>
+    <mc:Fallback xmlns="">
       <p:transition spd="med">
         <p:fade/>
       </p:transition>
@@ -7086,13 +7103,13 @@
   <p:clrMapOvr>
     <a:masterClrMapping/>
   </p:clrMapOvr>
-  <mc:AlternateContent xmlns:mc="http://schemas.openxmlformats.org/markup-compatibility/2006">
-    <mc:Choice xmlns:p14="http://schemas.microsoft.com/office/powerpoint/2010/main" Requires="p14">
+  <mc:AlternateContent xmlns:mc="http://schemas.openxmlformats.org/markup-compatibility/2006" xmlns:p14="http://schemas.microsoft.com/office/powerpoint/2010/main">
+    <mc:Choice Requires="p14">
       <p:transition spd="med" p14:dur="700">
         <p:fade/>
       </p:transition>
     </mc:Choice>
-    <mc:Fallback>
+    <mc:Fallback xmlns="">
       <p:transition spd="med">
         <p:fade/>
       </p:transition>
@@ -7189,13 +7206,13 @@
   <p:clrMapOvr>
     <a:masterClrMapping/>
   </p:clrMapOvr>
-  <mc:AlternateContent xmlns:mc="http://schemas.openxmlformats.org/markup-compatibility/2006">
-    <mc:Choice xmlns:p14="http://schemas.microsoft.com/office/powerpoint/2010/main" Requires="p14">
+  <mc:AlternateContent xmlns:mc="http://schemas.openxmlformats.org/markup-compatibility/2006" xmlns:p14="http://schemas.microsoft.com/office/powerpoint/2010/main">
+    <mc:Choice Requires="p14">
       <p:transition spd="med" p14:dur="700">
         <p:fade/>
       </p:transition>
     </mc:Choice>
-    <mc:Fallback>
+    <mc:Fallback xmlns="">
       <p:transition spd="med">
         <p:fade/>
       </p:transition>
